--- a/pptx/bioinfo_FinalPresentation.pptx
+++ b/pptx/bioinfo_FinalPresentation.pptx
@@ -5,7 +5,7 @@
     <p:sldMasterId id="2147483660" r:id="rId1"/>
   </p:sldMasterIdLst>
   <p:notesMasterIdLst>
-    <p:notesMasterId r:id="rId27"/>
+    <p:notesMasterId r:id="rId22"/>
   </p:notesMasterIdLst>
   <p:sldIdLst>
     <p:sldId id="256" r:id="rId2"/>
@@ -24,15 +24,10 @@
     <p:sldId id="285" r:id="rId15"/>
     <p:sldId id="287" r:id="rId16"/>
     <p:sldId id="286" r:id="rId17"/>
-    <p:sldId id="288" r:id="rId18"/>
-    <p:sldId id="293" r:id="rId19"/>
-    <p:sldId id="291" r:id="rId20"/>
-    <p:sldId id="292" r:id="rId21"/>
-    <p:sldId id="290" r:id="rId22"/>
-    <p:sldId id="294" r:id="rId23"/>
-    <p:sldId id="295" r:id="rId24"/>
-    <p:sldId id="283" r:id="rId25"/>
-    <p:sldId id="271" r:id="rId26"/>
+    <p:sldId id="293" r:id="rId18"/>
+    <p:sldId id="290" r:id="rId19"/>
+    <p:sldId id="283" r:id="rId20"/>
+    <p:sldId id="271" r:id="rId21"/>
   </p:sldIdLst>
   <p:sldSz cx="9144000" cy="6858000" type="screen4x3"/>
   <p:notesSz cx="6858000" cy="9144000"/>
@@ -4508,6 +4503,35 @@
           <a:chExt cx="0" cy="0"/>
         </a:xfrm>
       </p:grpSpPr>
+      <p:pic>
+        <p:nvPicPr>
+          <p:cNvPr id="5" name="Espaço Reservado para Conteúdo 4" descr="Uma imagem contendo céu&#10;&#10;Descrição gerada automaticamente">
+            <a:extLst>
+              <a:ext uri="{FF2B5EF4-FFF2-40B4-BE49-F238E27FC236}">
+                <a16:creationId xmlns:a16="http://schemas.microsoft.com/office/drawing/2014/main" id="{39C890DE-F7DD-4CE8-9D81-C23A8FDF3EE5}"/>
+              </a:ext>
+            </a:extLst>
+          </p:cNvPr>
+          <p:cNvPicPr>
+            <a:picLocks noGrp="1" noChangeAspect="1"/>
+          </p:cNvPicPr>
+          <p:nvPr>
+            <p:ph idx="1"/>
+          </p:nvPr>
+        </p:nvPicPr>
+        <p:blipFill>
+          <a:blip r:embed="rId2"/>
+          <a:stretch>
+            <a:fillRect/>
+          </a:stretch>
+        </p:blipFill>
+        <p:spPr>
+          <a:xfrm>
+            <a:off x="1466739" y="754063"/>
+            <a:ext cx="6388378" cy="5349874"/>
+          </a:xfrm>
+        </p:spPr>
+      </p:pic>
       <p:sp>
         <p:nvSpPr>
           <p:cNvPr id="2" name="标题 1"/>
@@ -4544,141 +4568,6 @@
               <a:ea typeface="Microsoft YaHei" charset="-122"/>
               <a:cs typeface="Microsoft YaHei" charset="-122"/>
             </a:endParaRPr>
-          </a:p>
-        </p:txBody>
-      </p:sp>
-      <p:sp>
-        <p:nvSpPr>
-          <p:cNvPr id="3" name="内容占位符 2"/>
-          <p:cNvSpPr>
-            <a:spLocks noGrp="1"/>
-          </p:cNvSpPr>
-          <p:nvPr>
-            <p:ph idx="1"/>
-          </p:nvPr>
-        </p:nvSpPr>
-        <p:spPr/>
-        <p:txBody>
-          <a:bodyPr>
-            <a:normAutofit/>
-          </a:bodyPr>
-          <a:lstStyle/>
-          <a:p>
-            <a:r>
-              <a:rPr kumimoji="1" lang="pt-BR" altLang="zh-CN" sz="2400" dirty="0"/>
-              <a:t>Visualizações separadas;</a:t>
-            </a:r>
-          </a:p>
-          <a:p>
-            <a:r>
-              <a:rPr kumimoji="1" lang="pt-BR" altLang="zh-CN" sz="2400" dirty="0"/>
-              <a:t>União da informação;</a:t>
-            </a:r>
-          </a:p>
-          <a:p>
-            <a:endParaRPr kumimoji="1" lang="zh-CN" altLang="en-US" sz="2400" dirty="0"/>
-          </a:p>
-        </p:txBody>
-      </p:sp>
-    </p:spTree>
-    <p:extLst>
-      <p:ext uri="{BB962C8B-B14F-4D97-AF65-F5344CB8AC3E}">
-        <p14:creationId xmlns:p14="http://schemas.microsoft.com/office/powerpoint/2010/main" val="2417156773"/>
-      </p:ext>
-    </p:extLst>
-  </p:cSld>
-  <p:clrMapOvr>
-    <a:masterClrMapping/>
-  </p:clrMapOvr>
-</p:sld>
-</file>
-
-<file path=ppt/slides/slide18.xml><?xml version="1.0" encoding="utf-8"?>
-<p:sld xmlns:a="http://schemas.openxmlformats.org/drawingml/2006/main" xmlns:r="http://schemas.openxmlformats.org/officeDocument/2006/relationships" xmlns:p="http://schemas.openxmlformats.org/presentationml/2006/main">
-  <p:cSld>
-    <p:spTree>
-      <p:nvGrpSpPr>
-        <p:cNvPr id="1" name=""/>
-        <p:cNvGrpSpPr/>
-        <p:nvPr/>
-      </p:nvGrpSpPr>
-      <p:grpSpPr>
-        <a:xfrm>
-          <a:off x="0" y="0"/>
-          <a:ext cx="0" cy="0"/>
-          <a:chOff x="0" y="0"/>
-          <a:chExt cx="0" cy="0"/>
-        </a:xfrm>
-      </p:grpSpPr>
-      <p:sp>
-        <p:nvSpPr>
-          <p:cNvPr id="2" name="标题 1"/>
-          <p:cNvSpPr>
-            <a:spLocks noGrp="1"/>
-          </p:cNvSpPr>
-          <p:nvPr>
-            <p:ph type="title"/>
-          </p:nvPr>
-        </p:nvSpPr>
-        <p:spPr/>
-        <p:txBody>
-          <a:bodyPr>
-            <a:normAutofit/>
-          </a:bodyPr>
-          <a:lstStyle/>
-          <a:p>
-            <a:r>
-              <a:rPr kumimoji="1" lang="en-US" altLang="zh-CN" sz="3200" b="1" dirty="0">
-                <a:solidFill>
-                  <a:srgbClr val="0070C0"/>
-                </a:solidFill>
-                <a:latin typeface="Microsoft YaHei" charset="-122"/>
-                <a:ea typeface="Microsoft YaHei" charset="-122"/>
-                <a:cs typeface="Microsoft YaHei" charset="-122"/>
-              </a:rPr>
-              <a:t>PCA</a:t>
-            </a:r>
-            <a:endParaRPr kumimoji="1" lang="zh-CN" altLang="en-US" sz="3200" b="1" dirty="0">
-              <a:solidFill>
-                <a:srgbClr val="0070C0"/>
-              </a:solidFill>
-              <a:latin typeface="Microsoft YaHei" charset="-122"/>
-              <a:ea typeface="Microsoft YaHei" charset="-122"/>
-              <a:cs typeface="Microsoft YaHei" charset="-122"/>
-            </a:endParaRPr>
-          </a:p>
-        </p:txBody>
-      </p:sp>
-      <p:sp>
-        <p:nvSpPr>
-          <p:cNvPr id="3" name="内容占位符 2"/>
-          <p:cNvSpPr>
-            <a:spLocks noGrp="1"/>
-          </p:cNvSpPr>
-          <p:nvPr>
-            <p:ph idx="1"/>
-          </p:nvPr>
-        </p:nvSpPr>
-        <p:spPr/>
-        <p:txBody>
-          <a:bodyPr>
-            <a:normAutofit/>
-          </a:bodyPr>
-          <a:lstStyle/>
-          <a:p>
-            <a:r>
-              <a:rPr kumimoji="1" lang="pt-BR" altLang="zh-CN" sz="2400" dirty="0"/>
-              <a:t>Visualizações separadas;</a:t>
-            </a:r>
-          </a:p>
-          <a:p>
-            <a:r>
-              <a:rPr kumimoji="1" lang="pt-BR" altLang="zh-CN" sz="2400" dirty="0"/>
-              <a:t>União da informação;</a:t>
-            </a:r>
-          </a:p>
-          <a:p>
-            <a:endParaRPr kumimoji="1" lang="zh-CN" altLang="en-US" sz="2400" dirty="0"/>
           </a:p>
         </p:txBody>
       </p:sp>
@@ -4695,576 +4584,7 @@
 </p:sld>
 </file>
 
-<file path=ppt/slides/slide19.xml><?xml version="1.0" encoding="utf-8"?>
-<p:sld xmlns:a="http://schemas.openxmlformats.org/drawingml/2006/main" xmlns:r="http://schemas.openxmlformats.org/officeDocument/2006/relationships" xmlns:p="http://schemas.openxmlformats.org/presentationml/2006/main">
-  <p:cSld>
-    <p:spTree>
-      <p:nvGrpSpPr>
-        <p:cNvPr id="1" name=""/>
-        <p:cNvGrpSpPr/>
-        <p:nvPr/>
-      </p:nvGrpSpPr>
-      <p:grpSpPr>
-        <a:xfrm>
-          <a:off x="0" y="0"/>
-          <a:ext cx="0" cy="0"/>
-          <a:chOff x="0" y="0"/>
-          <a:chExt cx="0" cy="0"/>
-        </a:xfrm>
-      </p:grpSpPr>
-      <p:sp>
-        <p:nvSpPr>
-          <p:cNvPr id="2" name="标题 1"/>
-          <p:cNvSpPr>
-            <a:spLocks noGrp="1"/>
-          </p:cNvSpPr>
-          <p:nvPr>
-            <p:ph type="title"/>
-          </p:nvPr>
-        </p:nvSpPr>
-        <p:spPr/>
-        <p:txBody>
-          <a:bodyPr>
-            <a:normAutofit/>
-          </a:bodyPr>
-          <a:lstStyle/>
-          <a:p>
-            <a:r>
-              <a:rPr kumimoji="1" lang="en-US" altLang="zh-CN" sz="3200" b="1" dirty="0">
-                <a:solidFill>
-                  <a:srgbClr val="0070C0"/>
-                </a:solidFill>
-                <a:latin typeface="Microsoft YaHei" charset="-122"/>
-                <a:ea typeface="Microsoft YaHei" charset="-122"/>
-                <a:cs typeface="Microsoft YaHei" charset="-122"/>
-              </a:rPr>
-              <a:t>PCA:</a:t>
-            </a:r>
-            <a:br>
-              <a:rPr kumimoji="1" lang="en-US" altLang="zh-CN" sz="3200" b="1" dirty="0">
-                <a:solidFill>
-                  <a:srgbClr val="0070C0"/>
-                </a:solidFill>
-                <a:latin typeface="Microsoft YaHei" charset="-122"/>
-                <a:ea typeface="Microsoft YaHei" charset="-122"/>
-                <a:cs typeface="Microsoft YaHei" charset="-122"/>
-              </a:rPr>
-            </a:br>
-            <a:r>
-              <a:rPr kumimoji="1" lang="en-US" altLang="zh-CN" sz="2400" b="1" dirty="0" err="1">
-                <a:solidFill>
-                  <a:srgbClr val="0070C0"/>
-                </a:solidFill>
-                <a:latin typeface="Microsoft YaHei" charset="-122"/>
-                <a:ea typeface="Microsoft YaHei" charset="-122"/>
-                <a:cs typeface="Microsoft YaHei" charset="-122"/>
-              </a:rPr>
-              <a:t>Identificando</a:t>
-            </a:r>
-            <a:r>
-              <a:rPr kumimoji="1" lang="en-US" altLang="zh-CN" sz="2400" b="1" dirty="0">
-                <a:solidFill>
-                  <a:srgbClr val="0070C0"/>
-                </a:solidFill>
-                <a:latin typeface="Microsoft YaHei" charset="-122"/>
-                <a:ea typeface="Microsoft YaHei" charset="-122"/>
-                <a:cs typeface="Microsoft YaHei" charset="-122"/>
-              </a:rPr>
-              <a:t> clusters com k-means</a:t>
-            </a:r>
-            <a:endParaRPr kumimoji="1" lang="zh-CN" altLang="en-US" sz="3200" b="1" dirty="0">
-              <a:solidFill>
-                <a:srgbClr val="0070C0"/>
-              </a:solidFill>
-              <a:latin typeface="Microsoft YaHei" charset="-122"/>
-              <a:ea typeface="Microsoft YaHei" charset="-122"/>
-              <a:cs typeface="Microsoft YaHei" charset="-122"/>
-            </a:endParaRPr>
-          </a:p>
-        </p:txBody>
-      </p:sp>
-      <p:sp>
-        <p:nvSpPr>
-          <p:cNvPr id="3" name="内容占位符 2"/>
-          <p:cNvSpPr>
-            <a:spLocks noGrp="1"/>
-          </p:cNvSpPr>
-          <p:nvPr>
-            <p:ph idx="1"/>
-          </p:nvPr>
-        </p:nvSpPr>
-        <p:spPr/>
-        <p:txBody>
-          <a:bodyPr>
-            <a:normAutofit/>
-          </a:bodyPr>
-          <a:lstStyle/>
-          <a:p>
-            <a:endParaRPr kumimoji="1" lang="zh-CN" altLang="en-US" sz="2400" dirty="0"/>
-          </a:p>
-        </p:txBody>
-      </p:sp>
-    </p:spTree>
-    <p:extLst>
-      <p:ext uri="{BB962C8B-B14F-4D97-AF65-F5344CB8AC3E}">
-        <p14:creationId xmlns:p14="http://schemas.microsoft.com/office/powerpoint/2010/main" val="648807889"/>
-      </p:ext>
-    </p:extLst>
-  </p:cSld>
-  <p:clrMapOvr>
-    <a:masterClrMapping/>
-  </p:clrMapOvr>
-</p:sld>
-</file>
-
-<file path=ppt/slides/slide2.xml><?xml version="1.0" encoding="utf-8"?>
-<p:sld xmlns:a="http://schemas.openxmlformats.org/drawingml/2006/main" xmlns:r="http://schemas.openxmlformats.org/officeDocument/2006/relationships" xmlns:p="http://schemas.openxmlformats.org/presentationml/2006/main">
-  <p:cSld>
-    <p:spTree>
-      <p:nvGrpSpPr>
-        <p:cNvPr id="1" name=""/>
-        <p:cNvGrpSpPr/>
-        <p:nvPr/>
-      </p:nvGrpSpPr>
-      <p:grpSpPr>
-        <a:xfrm>
-          <a:off x="0" y="0"/>
-          <a:ext cx="0" cy="0"/>
-          <a:chOff x="0" y="0"/>
-          <a:chExt cx="0" cy="0"/>
-        </a:xfrm>
-      </p:grpSpPr>
-      <p:sp>
-        <p:nvSpPr>
-          <p:cNvPr id="2" name="标题 1"/>
-          <p:cNvSpPr>
-            <a:spLocks noGrp="1"/>
-          </p:cNvSpPr>
-          <p:nvPr>
-            <p:ph type="title"/>
-          </p:nvPr>
-        </p:nvSpPr>
-        <p:spPr/>
-        <p:txBody>
-          <a:bodyPr>
-            <a:normAutofit/>
-          </a:bodyPr>
-          <a:lstStyle/>
-          <a:p>
-            <a:r>
-              <a:rPr kumimoji="1" lang="en-US" altLang="zh-CN" sz="3200" b="1" dirty="0" err="1">
-                <a:solidFill>
-                  <a:srgbClr val="0070C0"/>
-                </a:solidFill>
-                <a:latin typeface="Microsoft YaHei" charset="-122"/>
-                <a:ea typeface="Microsoft YaHei" charset="-122"/>
-                <a:cs typeface="Microsoft YaHei" charset="-122"/>
-              </a:rPr>
-              <a:t>Introdução</a:t>
-            </a:r>
-            <a:endParaRPr kumimoji="1" lang="en-US" altLang="zh-CN" sz="3200" b="1" dirty="0">
-              <a:solidFill>
-                <a:srgbClr val="0070C0"/>
-              </a:solidFill>
-              <a:latin typeface="Microsoft YaHei" charset="-122"/>
-              <a:ea typeface="Microsoft YaHei" charset="-122"/>
-              <a:cs typeface="Microsoft YaHei" charset="-122"/>
-            </a:endParaRPr>
-          </a:p>
-        </p:txBody>
-      </p:sp>
-      <p:sp>
-        <p:nvSpPr>
-          <p:cNvPr id="3" name="内容占位符 2"/>
-          <p:cNvSpPr>
-            <a:spLocks noGrp="1"/>
-          </p:cNvSpPr>
-          <p:nvPr>
-            <p:ph idx="1"/>
-          </p:nvPr>
-        </p:nvSpPr>
-        <p:spPr/>
-        <p:txBody>
-          <a:bodyPr>
-            <a:normAutofit/>
-          </a:bodyPr>
-          <a:lstStyle/>
-          <a:p>
-            <a:r>
-              <a:rPr kumimoji="1" lang="pt-BR" altLang="zh-CN" sz="2400" dirty="0">
-                <a:ea typeface="Microsoft YaHei" charset="-122"/>
-                <a:cs typeface="Microsoft YaHei" charset="-122"/>
-              </a:rPr>
-              <a:t>A Bioinformática tem como objetivo estudar e desvendar a grande quantidade de dados obtidos a partir do sequenciamento de DNA com apoio computacional</a:t>
-            </a:r>
-            <a:r>
-              <a:rPr kumimoji="1" lang="en-US" altLang="zh-CN" sz="2400" dirty="0">
-                <a:ea typeface="Microsoft YaHei" charset="-122"/>
-                <a:cs typeface="Microsoft YaHei" charset="-122"/>
-              </a:rPr>
-              <a:t>.</a:t>
-            </a:r>
-          </a:p>
-          <a:p>
-            <a:r>
-              <a:rPr kumimoji="1" lang="en-US" altLang="zh-CN" sz="2400" b="1" dirty="0" err="1">
-                <a:ea typeface="Microsoft YaHei" charset="-122"/>
-                <a:cs typeface="Microsoft YaHei" charset="-122"/>
-              </a:rPr>
-              <a:t>Proposta</a:t>
-            </a:r>
-            <a:r>
-              <a:rPr kumimoji="1" lang="en-US" altLang="zh-CN" sz="2400" b="1" dirty="0">
-                <a:ea typeface="Microsoft YaHei" charset="-122"/>
-                <a:cs typeface="Microsoft YaHei" charset="-122"/>
-              </a:rPr>
-              <a:t>: </a:t>
-            </a:r>
-            <a:r>
-              <a:rPr kumimoji="1" lang="pt-BR" altLang="zh-CN" sz="2400" dirty="0">
-                <a:ea typeface="Microsoft YaHei" charset="-122"/>
-                <a:cs typeface="Microsoft YaHei" charset="-122"/>
-              </a:rPr>
-              <a:t>compreender como são atualmente estudadas as sequencias de DNA e qual o embasamento matemático por trás da criação de árvores filogenéticas.</a:t>
-            </a:r>
-            <a:endParaRPr kumimoji="1" lang="en-US" altLang="zh-CN" sz="2400" dirty="0">
-              <a:ea typeface="Microsoft YaHei" charset="-122"/>
-              <a:cs typeface="Microsoft YaHei" charset="-122"/>
-            </a:endParaRPr>
-          </a:p>
-          <a:p>
-            <a:r>
-              <a:rPr kumimoji="1" lang="en-US" altLang="zh-CN" sz="2400" b="1" dirty="0" err="1">
-                <a:ea typeface="Microsoft YaHei" charset="-122"/>
-                <a:cs typeface="Microsoft YaHei" charset="-122"/>
-              </a:rPr>
-              <a:t>Objetico</a:t>
-            </a:r>
-            <a:r>
-              <a:rPr kumimoji="1" lang="en-US" altLang="zh-CN" sz="2400" b="1" dirty="0">
-                <a:ea typeface="Microsoft YaHei" charset="-122"/>
-                <a:cs typeface="Microsoft YaHei" charset="-122"/>
-              </a:rPr>
-              <a:t>: </a:t>
-            </a:r>
-            <a:r>
-              <a:rPr kumimoji="1" lang="pt-BR" altLang="zh-CN" sz="2400" dirty="0">
-                <a:ea typeface="Microsoft YaHei" charset="-122"/>
-                <a:cs typeface="Microsoft YaHei" charset="-122"/>
-              </a:rPr>
-              <a:t>analisar sequencias de genes homólogos e construir uma árvore filogenética usando a proteína TRIM5alpha  de </a:t>
-            </a:r>
-            <a:r>
-              <a:rPr kumimoji="1" lang="en-US" altLang="zh-CN" sz="2400" dirty="0">
-                <a:ea typeface="Microsoft YaHei" charset="-122"/>
-                <a:cs typeface="Microsoft YaHei" charset="-122"/>
-              </a:rPr>
-              <a:t>17 </a:t>
-            </a:r>
-            <a:r>
-              <a:rPr kumimoji="1" lang="en-US" altLang="zh-CN" sz="2400" dirty="0" err="1">
-                <a:ea typeface="Microsoft YaHei" charset="-122"/>
-                <a:cs typeface="Microsoft YaHei" charset="-122"/>
-              </a:rPr>
-              <a:t>espécies</a:t>
-            </a:r>
-            <a:r>
-              <a:rPr kumimoji="1" lang="en-US" altLang="zh-CN" sz="2400" dirty="0">
-                <a:ea typeface="Microsoft YaHei" charset="-122"/>
-                <a:cs typeface="Microsoft YaHei" charset="-122"/>
-              </a:rPr>
-              <a:t> </a:t>
-            </a:r>
-            <a:r>
-              <a:rPr kumimoji="1" lang="en-US" altLang="zh-CN" sz="2400" dirty="0" err="1">
-                <a:ea typeface="Microsoft YaHei" charset="-122"/>
-                <a:cs typeface="Microsoft YaHei" charset="-122"/>
-              </a:rPr>
-              <a:t>diferentes</a:t>
-            </a:r>
-            <a:r>
-              <a:rPr kumimoji="1" lang="en-US" altLang="zh-CN" sz="2400" dirty="0">
-                <a:ea typeface="Microsoft YaHei" charset="-122"/>
-                <a:cs typeface="Microsoft YaHei" charset="-122"/>
-              </a:rPr>
-              <a:t> </a:t>
-            </a:r>
-            <a:r>
-              <a:rPr kumimoji="1" lang="en-US" altLang="zh-CN" sz="2400" dirty="0" err="1">
-                <a:ea typeface="Microsoft YaHei" charset="-122"/>
-                <a:cs typeface="Microsoft YaHei" charset="-122"/>
-              </a:rPr>
-              <a:t>utilizando</a:t>
-            </a:r>
-            <a:r>
-              <a:rPr kumimoji="1" lang="en-US" altLang="zh-CN" sz="2400" dirty="0">
-                <a:ea typeface="Microsoft YaHei" charset="-122"/>
-                <a:cs typeface="Microsoft YaHei" charset="-122"/>
-              </a:rPr>
-              <a:t> Python e </a:t>
-            </a:r>
-            <a:r>
-              <a:rPr kumimoji="1" lang="en-US" altLang="zh-CN" sz="2400" dirty="0" err="1">
-                <a:ea typeface="Microsoft YaHei" charset="-122"/>
-                <a:cs typeface="Microsoft YaHei" charset="-122"/>
-              </a:rPr>
-              <a:t>utilizar</a:t>
-            </a:r>
-            <a:r>
-              <a:rPr kumimoji="1" lang="en-US" altLang="zh-CN" sz="2400" dirty="0">
-                <a:ea typeface="Microsoft YaHei" charset="-122"/>
-                <a:cs typeface="Microsoft YaHei" charset="-122"/>
-              </a:rPr>
-              <a:t> de </a:t>
-            </a:r>
-            <a:r>
-              <a:rPr kumimoji="1" lang="en-US" altLang="zh-CN" sz="2400" dirty="0" err="1">
-                <a:ea typeface="Microsoft YaHei" charset="-122"/>
-                <a:cs typeface="Microsoft YaHei" charset="-122"/>
-              </a:rPr>
-              <a:t>métodos</a:t>
-            </a:r>
-            <a:r>
-              <a:rPr kumimoji="1" lang="en-US" altLang="zh-CN" sz="2400" dirty="0">
-                <a:ea typeface="Microsoft YaHei" charset="-122"/>
-                <a:cs typeface="Microsoft YaHei" charset="-122"/>
-              </a:rPr>
-              <a:t> de </a:t>
-            </a:r>
-            <a:r>
-              <a:rPr kumimoji="1" lang="en-US" altLang="zh-CN" sz="2400" dirty="0" err="1">
-                <a:ea typeface="Microsoft YaHei" charset="-122"/>
-                <a:cs typeface="Microsoft YaHei" charset="-122"/>
-              </a:rPr>
-              <a:t>redução</a:t>
-            </a:r>
-            <a:r>
-              <a:rPr kumimoji="1" lang="en-US" altLang="zh-CN" sz="2400" dirty="0">
-                <a:ea typeface="Microsoft YaHei" charset="-122"/>
-                <a:cs typeface="Microsoft YaHei" charset="-122"/>
-              </a:rPr>
-              <a:t> de </a:t>
-            </a:r>
-            <a:r>
-              <a:rPr kumimoji="1" lang="en-US" altLang="zh-CN" sz="2400" dirty="0" err="1">
-                <a:ea typeface="Microsoft YaHei" charset="-122"/>
-                <a:cs typeface="Microsoft YaHei" charset="-122"/>
-              </a:rPr>
-              <a:t>dimensionalidade</a:t>
-            </a:r>
-            <a:r>
-              <a:rPr kumimoji="1" lang="en-US" altLang="zh-CN" sz="2400" dirty="0">
-                <a:ea typeface="Microsoft YaHei" charset="-122"/>
-                <a:cs typeface="Microsoft YaHei" charset="-122"/>
-              </a:rPr>
-              <a:t> para </a:t>
-            </a:r>
-            <a:r>
-              <a:rPr kumimoji="1" lang="en-US" altLang="zh-CN" sz="2400" dirty="0" err="1">
-                <a:ea typeface="Microsoft YaHei" charset="-122"/>
-                <a:cs typeface="Microsoft YaHei" charset="-122"/>
-              </a:rPr>
-              <a:t>observação</a:t>
-            </a:r>
-            <a:r>
-              <a:rPr kumimoji="1" lang="en-US" altLang="zh-CN" sz="2400" dirty="0">
-                <a:ea typeface="Microsoft YaHei" charset="-122"/>
-                <a:cs typeface="Microsoft YaHei" charset="-122"/>
-              </a:rPr>
-              <a:t> </a:t>
-            </a:r>
-            <a:r>
-              <a:rPr kumimoji="1" lang="en-US" altLang="zh-CN" sz="2400" dirty="0" err="1">
-                <a:ea typeface="Microsoft YaHei" charset="-122"/>
-                <a:cs typeface="Microsoft YaHei" charset="-122"/>
-              </a:rPr>
-              <a:t>destes</a:t>
-            </a:r>
-            <a:r>
-              <a:rPr kumimoji="1" lang="en-US" altLang="zh-CN" sz="2400" dirty="0">
-                <a:ea typeface="Microsoft YaHei" charset="-122"/>
-                <a:cs typeface="Microsoft YaHei" charset="-122"/>
-              </a:rPr>
-              <a:t> dados.</a:t>
-            </a:r>
-          </a:p>
-          <a:p>
-            <a:endParaRPr kumimoji="1" lang="en-US" altLang="zh-CN" sz="2400" dirty="0">
-              <a:ea typeface="Microsoft YaHei" charset="-122"/>
-              <a:cs typeface="Microsoft YaHei" charset="-122"/>
-            </a:endParaRPr>
-          </a:p>
-          <a:p>
-            <a:endParaRPr kumimoji="1" lang="en-US" altLang="zh-CN" sz="2400" dirty="0">
-              <a:ea typeface="Microsoft YaHei" charset="-122"/>
-              <a:cs typeface="Microsoft YaHei" charset="-122"/>
-            </a:endParaRPr>
-          </a:p>
-          <a:p>
-            <a:endParaRPr kumimoji="1" lang="en-US" altLang="zh-CN" sz="2400" dirty="0">
-              <a:ea typeface="Microsoft YaHei" charset="-122"/>
-              <a:cs typeface="Microsoft YaHei" charset="-122"/>
-            </a:endParaRPr>
-          </a:p>
-          <a:p>
-            <a:endParaRPr kumimoji="1" lang="en-US" altLang="zh-CN" sz="2400" dirty="0">
-              <a:ea typeface="Microsoft YaHei" charset="-122"/>
-              <a:cs typeface="Microsoft YaHei" charset="-122"/>
-            </a:endParaRPr>
-          </a:p>
-          <a:p>
-            <a:endParaRPr kumimoji="1" lang="en-US" altLang="zh-CN" sz="2400" dirty="0">
-              <a:ea typeface="Microsoft YaHei" charset="-122"/>
-              <a:cs typeface="Microsoft YaHei" charset="-122"/>
-            </a:endParaRPr>
-          </a:p>
-          <a:p>
-            <a:pPr marL="0" indent="0">
-              <a:buNone/>
-            </a:pPr>
-            <a:endParaRPr kumimoji="1" lang="zh-CN" altLang="en-US" sz="2400" dirty="0">
-              <a:ea typeface="Microsoft YaHei" charset="-122"/>
-              <a:cs typeface="Microsoft YaHei" charset="-122"/>
-            </a:endParaRPr>
-          </a:p>
-        </p:txBody>
-      </p:sp>
-    </p:spTree>
-    <p:extLst>
-      <p:ext uri="{BB962C8B-B14F-4D97-AF65-F5344CB8AC3E}">
-        <p14:creationId xmlns:p14="http://schemas.microsoft.com/office/powerpoint/2010/main" val="314091235"/>
-      </p:ext>
-    </p:extLst>
-  </p:cSld>
-  <p:clrMapOvr>
-    <a:masterClrMapping/>
-  </p:clrMapOvr>
-</p:sld>
-</file>
-
-<file path=ppt/slides/slide20.xml><?xml version="1.0" encoding="utf-8"?>
-<p:sld xmlns:a="http://schemas.openxmlformats.org/drawingml/2006/main" xmlns:r="http://schemas.openxmlformats.org/officeDocument/2006/relationships" xmlns:p="http://schemas.openxmlformats.org/presentationml/2006/main">
-  <p:cSld>
-    <p:spTree>
-      <p:nvGrpSpPr>
-        <p:cNvPr id="1" name=""/>
-        <p:cNvGrpSpPr/>
-        <p:nvPr/>
-      </p:nvGrpSpPr>
-      <p:grpSpPr>
-        <a:xfrm>
-          <a:off x="0" y="0"/>
-          <a:ext cx="0" cy="0"/>
-          <a:chOff x="0" y="0"/>
-          <a:chExt cx="0" cy="0"/>
-        </a:xfrm>
-      </p:grpSpPr>
-      <p:sp>
-        <p:nvSpPr>
-          <p:cNvPr id="2" name="标题 1"/>
-          <p:cNvSpPr>
-            <a:spLocks noGrp="1"/>
-          </p:cNvSpPr>
-          <p:nvPr>
-            <p:ph type="title"/>
-          </p:nvPr>
-        </p:nvSpPr>
-        <p:spPr/>
-        <p:txBody>
-          <a:bodyPr>
-            <a:normAutofit/>
-          </a:bodyPr>
-          <a:lstStyle/>
-          <a:p>
-            <a:r>
-              <a:rPr kumimoji="1" lang="en-US" altLang="zh-CN" sz="3200" b="1" dirty="0">
-                <a:solidFill>
-                  <a:srgbClr val="0070C0"/>
-                </a:solidFill>
-                <a:latin typeface="Microsoft YaHei" charset="-122"/>
-                <a:ea typeface="Microsoft YaHei" charset="-122"/>
-                <a:cs typeface="Microsoft YaHei" charset="-122"/>
-              </a:rPr>
-              <a:t>PCA:</a:t>
-            </a:r>
-            <a:br>
-              <a:rPr kumimoji="1" lang="en-US" altLang="zh-CN" sz="3200" b="1" dirty="0">
-                <a:solidFill>
-                  <a:srgbClr val="0070C0"/>
-                </a:solidFill>
-                <a:latin typeface="Microsoft YaHei" charset="-122"/>
-                <a:ea typeface="Microsoft YaHei" charset="-122"/>
-                <a:cs typeface="Microsoft YaHei" charset="-122"/>
-              </a:rPr>
-            </a:br>
-            <a:r>
-              <a:rPr kumimoji="1" lang="en-US" altLang="zh-CN" sz="2400" b="1" dirty="0" err="1">
-                <a:solidFill>
-                  <a:srgbClr val="0070C0"/>
-                </a:solidFill>
-                <a:latin typeface="Microsoft YaHei" charset="-122"/>
-                <a:ea typeface="Microsoft YaHei" charset="-122"/>
-                <a:cs typeface="Microsoft YaHei" charset="-122"/>
-              </a:rPr>
-              <a:t>Identificando</a:t>
-            </a:r>
-            <a:r>
-              <a:rPr kumimoji="1" lang="en-US" altLang="zh-CN" sz="2400" b="1" dirty="0">
-                <a:solidFill>
-                  <a:srgbClr val="0070C0"/>
-                </a:solidFill>
-                <a:latin typeface="Microsoft YaHei" charset="-122"/>
-                <a:ea typeface="Microsoft YaHei" charset="-122"/>
-                <a:cs typeface="Microsoft YaHei" charset="-122"/>
-              </a:rPr>
-              <a:t> clusters com DBSCAN</a:t>
-            </a:r>
-            <a:endParaRPr kumimoji="1" lang="zh-CN" altLang="en-US" sz="3200" b="1" dirty="0">
-              <a:solidFill>
-                <a:srgbClr val="0070C0"/>
-              </a:solidFill>
-              <a:latin typeface="Microsoft YaHei" charset="-122"/>
-              <a:ea typeface="Microsoft YaHei" charset="-122"/>
-              <a:cs typeface="Microsoft YaHei" charset="-122"/>
-            </a:endParaRPr>
-          </a:p>
-        </p:txBody>
-      </p:sp>
-      <p:sp>
-        <p:nvSpPr>
-          <p:cNvPr id="3" name="内容占位符 2"/>
-          <p:cNvSpPr>
-            <a:spLocks noGrp="1"/>
-          </p:cNvSpPr>
-          <p:nvPr>
-            <p:ph idx="1"/>
-          </p:nvPr>
-        </p:nvSpPr>
-        <p:spPr/>
-        <p:txBody>
-          <a:bodyPr>
-            <a:normAutofit/>
-          </a:bodyPr>
-          <a:lstStyle/>
-          <a:p>
-            <a:endParaRPr kumimoji="1" lang="zh-CN" altLang="en-US" sz="2400" dirty="0"/>
-          </a:p>
-        </p:txBody>
-      </p:sp>
-    </p:spTree>
-    <p:extLst>
-      <p:ext uri="{BB962C8B-B14F-4D97-AF65-F5344CB8AC3E}">
-        <p14:creationId xmlns:p14="http://schemas.microsoft.com/office/powerpoint/2010/main" val="2832260877"/>
-      </p:ext>
-    </p:extLst>
-  </p:cSld>
-  <p:clrMapOvr>
-    <a:masterClrMapping/>
-  </p:clrMapOvr>
-</p:sld>
-</file>
-
-<file path=ppt/slides/slide21.xml><?xml version="1.0" encoding="utf-8"?>
+<file path=ppt/slides/slide18.xml><?xml version="1.0" encoding="utf-8"?>
 <p:sld xmlns:a="http://schemas.openxmlformats.org/drawingml/2006/main" xmlns:r="http://schemas.openxmlformats.org/officeDocument/2006/relationships" xmlns:p="http://schemas.openxmlformats.org/presentationml/2006/main">
   <p:cSld>
     <p:spTree>
@@ -5305,7 +4625,7 @@
         </p:blipFill>
         <p:spPr>
           <a:xfrm>
-            <a:off x="628650" y="1122217"/>
+            <a:off x="700839" y="757091"/>
             <a:ext cx="7886700" cy="5735783"/>
           </a:xfrm>
         </p:spPr>
@@ -5362,7 +4682,7 @@
 </p:sld>
 </file>
 
-<file path=ppt/slides/slide22.xml><?xml version="1.0" encoding="utf-8"?>
+<file path=ppt/slides/slide19.xml><?xml version="1.0" encoding="utf-8"?>
 <p:sld xmlns:a="http://schemas.openxmlformats.org/drawingml/2006/main" xmlns:r="http://schemas.openxmlformats.org/officeDocument/2006/relationships" xmlns:p="http://schemas.openxmlformats.org/presentationml/2006/main">
   <p:cSld>
     <p:spTree>
@@ -5397,7 +4717,7 @@
           <a:lstStyle/>
           <a:p>
             <a:r>
-              <a:rPr kumimoji="1" lang="en-US" altLang="zh-CN" sz="3200" b="1" dirty="0">
+              <a:rPr kumimoji="1" lang="en-US" altLang="zh-CN" sz="3200" b="1" dirty="0" err="1">
                 <a:solidFill>
                   <a:srgbClr val="0070C0"/>
                 </a:solidFill>
@@ -5405,39 +4725,7 @@
                 <a:ea typeface="Microsoft YaHei" charset="-122"/>
                 <a:cs typeface="Microsoft YaHei" charset="-122"/>
               </a:rPr>
-              <a:t>t-SNE:</a:t>
-            </a:r>
-            <a:br>
-              <a:rPr kumimoji="1" lang="en-US" altLang="zh-CN" sz="3200" b="1" dirty="0">
-                <a:solidFill>
-                  <a:srgbClr val="0070C0"/>
-                </a:solidFill>
-                <a:latin typeface="Microsoft YaHei" charset="-122"/>
-                <a:ea typeface="Microsoft YaHei" charset="-122"/>
-                <a:cs typeface="Microsoft YaHei" charset="-122"/>
-              </a:rPr>
-            </a:br>
-            <a:r>
-              <a:rPr kumimoji="1" lang="en-US" altLang="zh-CN" sz="2400" b="1" dirty="0" err="1">
-                <a:solidFill>
-                  <a:srgbClr val="0070C0"/>
-                </a:solidFill>
-                <a:latin typeface="Microsoft YaHei" charset="-122"/>
-                <a:ea typeface="Microsoft YaHei" charset="-122"/>
-                <a:cs typeface="Microsoft YaHei" charset="-122"/>
-              </a:rPr>
-              <a:t>Identificando</a:t>
-            </a:r>
-            <a:r>
-              <a:rPr kumimoji="1" lang="en-US" altLang="zh-CN" sz="2400" b="1" dirty="0">
-                <a:solidFill>
-                  <a:srgbClr val="0070C0"/>
-                </a:solidFill>
-                <a:latin typeface="Microsoft YaHei" charset="-122"/>
-                <a:ea typeface="Microsoft YaHei" charset="-122"/>
-                <a:cs typeface="Microsoft YaHei" charset="-122"/>
-              </a:rPr>
-              <a:t> clusters com k-means</a:t>
+              <a:t>Conclusão</a:t>
             </a:r>
             <a:endParaRPr kumimoji="1" lang="zh-CN" altLang="en-US" sz="3200" b="1" dirty="0">
               <a:solidFill>
@@ -5467,14 +4755,46 @@
           </a:bodyPr>
           <a:lstStyle/>
           <a:p>
-            <a:endParaRPr kumimoji="1" lang="zh-CN" altLang="en-US" sz="2400" dirty="0"/>
+            <a:pPr marL="0" indent="0">
+              <a:buNone/>
+            </a:pPr>
+            <a:r>
+              <a:rPr lang="pt-BR" altLang="zh-CN" sz="2000" dirty="0"/>
+              <a:t>	A partir do trabalho elaborado sobre estudo de bioinformática para DNA e filogenia, compreendemos o trabalho científico realizado em data sets de sequências de DNA utilizando aplicações de Data Science.</a:t>
+            </a:r>
+          </a:p>
+          <a:p>
+            <a:pPr marL="0" indent="0">
+              <a:buNone/>
+            </a:pPr>
+            <a:r>
+              <a:rPr lang="pt-BR" altLang="zh-CN" sz="2000" dirty="0"/>
+              <a:t>	Verificamos com métodos mais rigorosos um cluster na árvore filogenética que corresponde as subdivisões de Macacos do Velho Mundo, Novo Mundo e </a:t>
+            </a:r>
+            <a:r>
+              <a:rPr lang="pt-BR" altLang="zh-CN" sz="2000" dirty="0" err="1"/>
+              <a:t>Hominides</a:t>
+            </a:r>
+            <a:r>
+              <a:rPr lang="pt-BR" altLang="zh-CN" sz="2000" dirty="0"/>
+              <a:t>. Esta aglomeração aponta uma possível especialização destes animais.</a:t>
+            </a:r>
+          </a:p>
+          <a:p>
+            <a:pPr marL="0" indent="0">
+              <a:buNone/>
+            </a:pPr>
+            <a:r>
+              <a:rPr lang="pt-BR" altLang="zh-CN" sz="2000" dirty="0"/>
+              <a:t>	Concluímos assim o objetivo de analisar sequencias de genes homólogos e realizar a construção de uma árvore filogenética usando a proteína TRIM5alpha, bem como compreender e aplicar os métodos utilizando linguagem Python.</a:t>
+            </a:r>
           </a:p>
         </p:txBody>
       </p:sp>
     </p:spTree>
     <p:extLst>
       <p:ext uri="{BB962C8B-B14F-4D97-AF65-F5344CB8AC3E}">
-        <p14:creationId xmlns:p14="http://schemas.microsoft.com/office/powerpoint/2010/main" val="2506487185"/>
+        <p14:creationId xmlns:p14="http://schemas.microsoft.com/office/powerpoint/2010/main" val="1443089890"/>
       </p:ext>
     </p:extLst>
   </p:cSld>
@@ -5484,7 +4804,7 @@
 </p:sld>
 </file>
 
-<file path=ppt/slides/slide23.xml><?xml version="1.0" encoding="utf-8"?>
+<file path=ppt/slides/slide2.xml><?xml version="1.0" encoding="utf-8"?>
 <p:sld xmlns:a="http://schemas.openxmlformats.org/drawingml/2006/main" xmlns:r="http://schemas.openxmlformats.org/officeDocument/2006/relationships" xmlns:p="http://schemas.openxmlformats.org/presentationml/2006/main">
   <p:cSld>
     <p:spTree>
@@ -5519,7 +4839,7 @@
           <a:lstStyle/>
           <a:p>
             <a:r>
-              <a:rPr kumimoji="1" lang="en-US" altLang="zh-CN" sz="3200" b="1" dirty="0">
+              <a:rPr kumimoji="1" lang="en-US" altLang="zh-CN" sz="3200" b="1" dirty="0" err="1">
                 <a:solidFill>
                   <a:srgbClr val="0070C0"/>
                 </a:solidFill>
@@ -5527,41 +4847,9 @@
                 <a:ea typeface="Microsoft YaHei" charset="-122"/>
                 <a:cs typeface="Microsoft YaHei" charset="-122"/>
               </a:rPr>
-              <a:t>t-SNE:</a:t>
-            </a:r>
-            <a:br>
-              <a:rPr kumimoji="1" lang="en-US" altLang="zh-CN" sz="3200" b="1" dirty="0">
-                <a:solidFill>
-                  <a:srgbClr val="0070C0"/>
-                </a:solidFill>
-                <a:latin typeface="Microsoft YaHei" charset="-122"/>
-                <a:ea typeface="Microsoft YaHei" charset="-122"/>
-                <a:cs typeface="Microsoft YaHei" charset="-122"/>
-              </a:rPr>
-            </a:br>
-            <a:r>
-              <a:rPr kumimoji="1" lang="en-US" altLang="zh-CN" sz="2400" b="1" dirty="0" err="1">
-                <a:solidFill>
-                  <a:srgbClr val="0070C0"/>
-                </a:solidFill>
-                <a:latin typeface="Microsoft YaHei" charset="-122"/>
-                <a:ea typeface="Microsoft YaHei" charset="-122"/>
-                <a:cs typeface="Microsoft YaHei" charset="-122"/>
-              </a:rPr>
-              <a:t>Identificando</a:t>
-            </a:r>
-            <a:r>
-              <a:rPr kumimoji="1" lang="en-US" altLang="zh-CN" sz="2400" b="1" dirty="0">
-                <a:solidFill>
-                  <a:srgbClr val="0070C0"/>
-                </a:solidFill>
-                <a:latin typeface="Microsoft YaHei" charset="-122"/>
-                <a:ea typeface="Microsoft YaHei" charset="-122"/>
-                <a:cs typeface="Microsoft YaHei" charset="-122"/>
-              </a:rPr>
-              <a:t> clusters com DBSCAN</a:t>
-            </a:r>
-            <a:endParaRPr kumimoji="1" lang="zh-CN" altLang="en-US" sz="3200" b="1" dirty="0">
+              <a:t>Introdução</a:t>
+            </a:r>
+            <a:endParaRPr kumimoji="1" lang="en-US" altLang="zh-CN" sz="3200" b="1" dirty="0">
               <a:solidFill>
                 <a:srgbClr val="0070C0"/>
               </a:solidFill>
@@ -5589,14 +4877,249 @@
           </a:bodyPr>
           <a:lstStyle/>
           <a:p>
-            <a:endParaRPr kumimoji="1" lang="zh-CN" altLang="en-US" sz="2400" dirty="0"/>
+            <a:r>
+              <a:rPr kumimoji="1" lang="pt-BR" altLang="zh-CN" sz="2400" dirty="0">
+                <a:ea typeface="Microsoft YaHei" charset="-122"/>
+                <a:cs typeface="Microsoft YaHei" charset="-122"/>
+              </a:rPr>
+              <a:t>A Bioinformática tem como objetivo estudar e desvendar a grande quantidade de dados obtidos a partir do sequenciamento de DNA com apoio computacional</a:t>
+            </a:r>
+            <a:r>
+              <a:rPr kumimoji="1" lang="en-US" altLang="zh-CN" sz="2400" dirty="0">
+                <a:ea typeface="Microsoft YaHei" charset="-122"/>
+                <a:cs typeface="Microsoft YaHei" charset="-122"/>
+              </a:rPr>
+              <a:t>.</a:t>
+            </a:r>
+          </a:p>
+          <a:p>
+            <a:r>
+              <a:rPr kumimoji="1" lang="en-US" altLang="zh-CN" sz="2400" b="1" dirty="0" err="1">
+                <a:ea typeface="Microsoft YaHei" charset="-122"/>
+                <a:cs typeface="Microsoft YaHei" charset="-122"/>
+              </a:rPr>
+              <a:t>Proposta</a:t>
+            </a:r>
+            <a:r>
+              <a:rPr kumimoji="1" lang="en-US" altLang="zh-CN" sz="2400" b="1" dirty="0">
+                <a:ea typeface="Microsoft YaHei" charset="-122"/>
+                <a:cs typeface="Microsoft YaHei" charset="-122"/>
+              </a:rPr>
+              <a:t>: </a:t>
+            </a:r>
+            <a:r>
+              <a:rPr kumimoji="1" lang="pt-BR" altLang="zh-CN" sz="2400" dirty="0">
+                <a:ea typeface="Microsoft YaHei" charset="-122"/>
+                <a:cs typeface="Microsoft YaHei" charset="-122"/>
+              </a:rPr>
+              <a:t>compreender como são atualmente estudadas as sequencias de DNA e qual o embasamento matemático por trás da criação de árvores filogenéticas.</a:t>
+            </a:r>
+            <a:endParaRPr kumimoji="1" lang="en-US" altLang="zh-CN" sz="2400" dirty="0">
+              <a:ea typeface="Microsoft YaHei" charset="-122"/>
+              <a:cs typeface="Microsoft YaHei" charset="-122"/>
+            </a:endParaRPr>
+          </a:p>
+          <a:p>
+            <a:r>
+              <a:rPr kumimoji="1" lang="en-US" altLang="zh-CN" sz="2400" b="1" dirty="0" err="1">
+                <a:ea typeface="Microsoft YaHei" charset="-122"/>
+                <a:cs typeface="Microsoft YaHei" charset="-122"/>
+              </a:rPr>
+              <a:t>Objetico</a:t>
+            </a:r>
+            <a:r>
+              <a:rPr kumimoji="1" lang="en-US" altLang="zh-CN" sz="2400" b="1" dirty="0">
+                <a:ea typeface="Microsoft YaHei" charset="-122"/>
+                <a:cs typeface="Microsoft YaHei" charset="-122"/>
+              </a:rPr>
+              <a:t>: </a:t>
+            </a:r>
+            <a:r>
+              <a:rPr kumimoji="1" lang="pt-BR" altLang="zh-CN" sz="2400" dirty="0">
+                <a:ea typeface="Microsoft YaHei" charset="-122"/>
+                <a:cs typeface="Microsoft YaHei" charset="-122"/>
+              </a:rPr>
+              <a:t>analisar sequencias de genes homólogos e construir uma árvore filogenética usando a proteína TRIM5alpha  de </a:t>
+            </a:r>
+            <a:r>
+              <a:rPr kumimoji="1" lang="en-US" altLang="zh-CN" sz="2400" dirty="0">
+                <a:ea typeface="Microsoft YaHei" charset="-122"/>
+                <a:cs typeface="Microsoft YaHei" charset="-122"/>
+              </a:rPr>
+              <a:t>17 </a:t>
+            </a:r>
+            <a:r>
+              <a:rPr kumimoji="1" lang="en-US" altLang="zh-CN" sz="2400" dirty="0" err="1">
+                <a:ea typeface="Microsoft YaHei" charset="-122"/>
+                <a:cs typeface="Microsoft YaHei" charset="-122"/>
+              </a:rPr>
+              <a:t>espécies</a:t>
+            </a:r>
+            <a:r>
+              <a:rPr kumimoji="1" lang="en-US" altLang="zh-CN" sz="2400" dirty="0">
+                <a:ea typeface="Microsoft YaHei" charset="-122"/>
+                <a:cs typeface="Microsoft YaHei" charset="-122"/>
+              </a:rPr>
+              <a:t> </a:t>
+            </a:r>
+            <a:r>
+              <a:rPr kumimoji="1" lang="en-US" altLang="zh-CN" sz="2400" dirty="0" err="1">
+                <a:ea typeface="Microsoft YaHei" charset="-122"/>
+                <a:cs typeface="Microsoft YaHei" charset="-122"/>
+              </a:rPr>
+              <a:t>diferentes</a:t>
+            </a:r>
+            <a:r>
+              <a:rPr kumimoji="1" lang="en-US" altLang="zh-CN" sz="2400" dirty="0">
+                <a:ea typeface="Microsoft YaHei" charset="-122"/>
+                <a:cs typeface="Microsoft YaHei" charset="-122"/>
+              </a:rPr>
+              <a:t> </a:t>
+            </a:r>
+            <a:r>
+              <a:rPr kumimoji="1" lang="en-US" altLang="zh-CN" sz="2400" dirty="0" err="1">
+                <a:ea typeface="Microsoft YaHei" charset="-122"/>
+                <a:cs typeface="Microsoft YaHei" charset="-122"/>
+              </a:rPr>
+              <a:t>utilizando</a:t>
+            </a:r>
+            <a:r>
+              <a:rPr kumimoji="1" lang="en-US" altLang="zh-CN" sz="2400" dirty="0">
+                <a:ea typeface="Microsoft YaHei" charset="-122"/>
+                <a:cs typeface="Microsoft YaHei" charset="-122"/>
+              </a:rPr>
+              <a:t> Python e </a:t>
+            </a:r>
+            <a:r>
+              <a:rPr kumimoji="1" lang="en-US" altLang="zh-CN" sz="2400" dirty="0" err="1">
+                <a:ea typeface="Microsoft YaHei" charset="-122"/>
+                <a:cs typeface="Microsoft YaHei" charset="-122"/>
+              </a:rPr>
+              <a:t>utilizar</a:t>
+            </a:r>
+            <a:r>
+              <a:rPr kumimoji="1" lang="en-US" altLang="zh-CN" sz="2400" dirty="0">
+                <a:ea typeface="Microsoft YaHei" charset="-122"/>
+                <a:cs typeface="Microsoft YaHei" charset="-122"/>
+              </a:rPr>
+              <a:t> de </a:t>
+            </a:r>
+            <a:r>
+              <a:rPr kumimoji="1" lang="en-US" altLang="zh-CN" sz="2400" dirty="0" err="1">
+                <a:ea typeface="Microsoft YaHei" charset="-122"/>
+                <a:cs typeface="Microsoft YaHei" charset="-122"/>
+              </a:rPr>
+              <a:t>métodos</a:t>
+            </a:r>
+            <a:r>
+              <a:rPr kumimoji="1" lang="en-US" altLang="zh-CN" sz="2400" dirty="0">
+                <a:ea typeface="Microsoft YaHei" charset="-122"/>
+                <a:cs typeface="Microsoft YaHei" charset="-122"/>
+              </a:rPr>
+              <a:t> de </a:t>
+            </a:r>
+            <a:r>
+              <a:rPr kumimoji="1" lang="en-US" altLang="zh-CN" sz="2400" dirty="0" err="1">
+                <a:ea typeface="Microsoft YaHei" charset="-122"/>
+                <a:cs typeface="Microsoft YaHei" charset="-122"/>
+              </a:rPr>
+              <a:t>redução</a:t>
+            </a:r>
+            <a:r>
+              <a:rPr kumimoji="1" lang="en-US" altLang="zh-CN" sz="2400" dirty="0">
+                <a:ea typeface="Microsoft YaHei" charset="-122"/>
+                <a:cs typeface="Microsoft YaHei" charset="-122"/>
+              </a:rPr>
+              <a:t> de </a:t>
+            </a:r>
+            <a:r>
+              <a:rPr kumimoji="1" lang="en-US" altLang="zh-CN" sz="2400" dirty="0" err="1">
+                <a:ea typeface="Microsoft YaHei" charset="-122"/>
+                <a:cs typeface="Microsoft YaHei" charset="-122"/>
+              </a:rPr>
+              <a:t>dimensionalidade</a:t>
+            </a:r>
+            <a:r>
+              <a:rPr kumimoji="1" lang="en-US" altLang="zh-CN" sz="2400" dirty="0">
+                <a:ea typeface="Microsoft YaHei" charset="-122"/>
+                <a:cs typeface="Microsoft YaHei" charset="-122"/>
+              </a:rPr>
+              <a:t> para </a:t>
+            </a:r>
+            <a:r>
+              <a:rPr kumimoji="1" lang="en-US" altLang="zh-CN" sz="2400" dirty="0" err="1">
+                <a:ea typeface="Microsoft YaHei" charset="-122"/>
+                <a:cs typeface="Microsoft YaHei" charset="-122"/>
+              </a:rPr>
+              <a:t>observação</a:t>
+            </a:r>
+            <a:r>
+              <a:rPr kumimoji="1" lang="en-US" altLang="zh-CN" sz="2400" dirty="0">
+                <a:ea typeface="Microsoft YaHei" charset="-122"/>
+                <a:cs typeface="Microsoft YaHei" charset="-122"/>
+              </a:rPr>
+              <a:t> </a:t>
+            </a:r>
+            <a:r>
+              <a:rPr kumimoji="1" lang="en-US" altLang="zh-CN" sz="2400" dirty="0" err="1">
+                <a:ea typeface="Microsoft YaHei" charset="-122"/>
+                <a:cs typeface="Microsoft YaHei" charset="-122"/>
+              </a:rPr>
+              <a:t>destes</a:t>
+            </a:r>
+            <a:r>
+              <a:rPr kumimoji="1" lang="en-US" altLang="zh-CN" sz="2400" dirty="0">
+                <a:ea typeface="Microsoft YaHei" charset="-122"/>
+                <a:cs typeface="Microsoft YaHei" charset="-122"/>
+              </a:rPr>
+              <a:t> dados.</a:t>
+            </a:r>
+          </a:p>
+          <a:p>
+            <a:endParaRPr kumimoji="1" lang="en-US" altLang="zh-CN" sz="2400" dirty="0">
+              <a:ea typeface="Microsoft YaHei" charset="-122"/>
+              <a:cs typeface="Microsoft YaHei" charset="-122"/>
+            </a:endParaRPr>
+          </a:p>
+          <a:p>
+            <a:endParaRPr kumimoji="1" lang="en-US" altLang="zh-CN" sz="2400" dirty="0">
+              <a:ea typeface="Microsoft YaHei" charset="-122"/>
+              <a:cs typeface="Microsoft YaHei" charset="-122"/>
+            </a:endParaRPr>
+          </a:p>
+          <a:p>
+            <a:endParaRPr kumimoji="1" lang="en-US" altLang="zh-CN" sz="2400" dirty="0">
+              <a:ea typeface="Microsoft YaHei" charset="-122"/>
+              <a:cs typeface="Microsoft YaHei" charset="-122"/>
+            </a:endParaRPr>
+          </a:p>
+          <a:p>
+            <a:endParaRPr kumimoji="1" lang="en-US" altLang="zh-CN" sz="2400" dirty="0">
+              <a:ea typeface="Microsoft YaHei" charset="-122"/>
+              <a:cs typeface="Microsoft YaHei" charset="-122"/>
+            </a:endParaRPr>
+          </a:p>
+          <a:p>
+            <a:endParaRPr kumimoji="1" lang="en-US" altLang="zh-CN" sz="2400" dirty="0">
+              <a:ea typeface="Microsoft YaHei" charset="-122"/>
+              <a:cs typeface="Microsoft YaHei" charset="-122"/>
+            </a:endParaRPr>
+          </a:p>
+          <a:p>
+            <a:pPr marL="0" indent="0">
+              <a:buNone/>
+            </a:pPr>
+            <a:endParaRPr kumimoji="1" lang="zh-CN" altLang="en-US" sz="2400" dirty="0">
+              <a:ea typeface="Microsoft YaHei" charset="-122"/>
+              <a:cs typeface="Microsoft YaHei" charset="-122"/>
+            </a:endParaRPr>
           </a:p>
         </p:txBody>
       </p:sp>
     </p:spTree>
     <p:extLst>
       <p:ext uri="{BB962C8B-B14F-4D97-AF65-F5344CB8AC3E}">
-        <p14:creationId xmlns:p14="http://schemas.microsoft.com/office/powerpoint/2010/main" val="1587686077"/>
+        <p14:creationId xmlns:p14="http://schemas.microsoft.com/office/powerpoint/2010/main" val="314091235"/>
       </p:ext>
     </p:extLst>
   </p:cSld>
@@ -5606,129 +5129,7 @@
 </p:sld>
 </file>
 
-<file path=ppt/slides/slide24.xml><?xml version="1.0" encoding="utf-8"?>
-<p:sld xmlns:a="http://schemas.openxmlformats.org/drawingml/2006/main" xmlns:r="http://schemas.openxmlformats.org/officeDocument/2006/relationships" xmlns:p="http://schemas.openxmlformats.org/presentationml/2006/main">
-  <p:cSld>
-    <p:spTree>
-      <p:nvGrpSpPr>
-        <p:cNvPr id="1" name=""/>
-        <p:cNvGrpSpPr/>
-        <p:nvPr/>
-      </p:nvGrpSpPr>
-      <p:grpSpPr>
-        <a:xfrm>
-          <a:off x="0" y="0"/>
-          <a:ext cx="0" cy="0"/>
-          <a:chOff x="0" y="0"/>
-          <a:chExt cx="0" cy="0"/>
-        </a:xfrm>
-      </p:grpSpPr>
-      <p:sp>
-        <p:nvSpPr>
-          <p:cNvPr id="2" name="标题 1"/>
-          <p:cNvSpPr>
-            <a:spLocks noGrp="1"/>
-          </p:cNvSpPr>
-          <p:nvPr>
-            <p:ph type="title"/>
-          </p:nvPr>
-        </p:nvSpPr>
-        <p:spPr/>
-        <p:txBody>
-          <a:bodyPr>
-            <a:normAutofit/>
-          </a:bodyPr>
-          <a:lstStyle/>
-          <a:p>
-            <a:r>
-              <a:rPr kumimoji="1" lang="en-US" altLang="zh-CN" sz="3200" b="1" dirty="0" err="1">
-                <a:solidFill>
-                  <a:srgbClr val="0070C0"/>
-                </a:solidFill>
-                <a:latin typeface="Microsoft YaHei" charset="-122"/>
-                <a:ea typeface="Microsoft YaHei" charset="-122"/>
-                <a:cs typeface="Microsoft YaHei" charset="-122"/>
-              </a:rPr>
-              <a:t>Conclusão</a:t>
-            </a:r>
-            <a:endParaRPr kumimoji="1" lang="zh-CN" altLang="en-US" sz="3200" b="1" dirty="0">
-              <a:solidFill>
-                <a:srgbClr val="0070C0"/>
-              </a:solidFill>
-              <a:latin typeface="Microsoft YaHei" charset="-122"/>
-              <a:ea typeface="Microsoft YaHei" charset="-122"/>
-              <a:cs typeface="Microsoft YaHei" charset="-122"/>
-            </a:endParaRPr>
-          </a:p>
-        </p:txBody>
-      </p:sp>
-      <p:sp>
-        <p:nvSpPr>
-          <p:cNvPr id="3" name="内容占位符 2"/>
-          <p:cNvSpPr>
-            <a:spLocks noGrp="1"/>
-          </p:cNvSpPr>
-          <p:nvPr>
-            <p:ph idx="1"/>
-          </p:nvPr>
-        </p:nvSpPr>
-        <p:spPr/>
-        <p:txBody>
-          <a:bodyPr>
-            <a:normAutofit/>
-          </a:bodyPr>
-          <a:lstStyle/>
-          <a:p>
-            <a:pPr marL="0" indent="0">
-              <a:buNone/>
-            </a:pPr>
-            <a:r>
-              <a:rPr lang="pt-BR" altLang="zh-CN" sz="2000" dirty="0"/>
-              <a:t>	A partir do trabalho elaborado sobre estudo de bioinformática para DNA e filogenia, compreendemos o trabalho científico realizado em data sets de sequências de DNA utilizando aplicações de Data Science.</a:t>
-            </a:r>
-          </a:p>
-          <a:p>
-            <a:pPr marL="0" indent="0">
-              <a:buNone/>
-            </a:pPr>
-            <a:r>
-              <a:rPr lang="pt-BR" altLang="zh-CN" sz="2000" dirty="0"/>
-              <a:t>	Verificamos com métodos mais rigorosos um cluster na árvore filogenética que corresponde as subdivisões de Macacos do Velho Mundo, Novo Mundo e </a:t>
-            </a:r>
-            <a:r>
-              <a:rPr lang="pt-BR" altLang="zh-CN" sz="2000" dirty="0" err="1"/>
-              <a:t>Hominides</a:t>
-            </a:r>
-            <a:r>
-              <a:rPr lang="pt-BR" altLang="zh-CN" sz="2000" dirty="0"/>
-              <a:t>. Esta aglomeração aponta uma possível especialização destes animais.</a:t>
-            </a:r>
-          </a:p>
-          <a:p>
-            <a:pPr marL="0" indent="0">
-              <a:buNone/>
-            </a:pPr>
-            <a:r>
-              <a:rPr lang="pt-BR" altLang="zh-CN" sz="2000" dirty="0"/>
-              <a:t>	Concluímos assim o objetivo de analisar sequencias de genes homólogos e realizar a construção de uma árvore filogenética usando a proteína TRIM5alpha, bem como compreender e aplicar os métodos utilizando linguagem Python.</a:t>
-            </a:r>
-          </a:p>
-        </p:txBody>
-      </p:sp>
-    </p:spTree>
-    <p:extLst>
-      <p:ext uri="{BB962C8B-B14F-4D97-AF65-F5344CB8AC3E}">
-        <p14:creationId xmlns:p14="http://schemas.microsoft.com/office/powerpoint/2010/main" val="1443089890"/>
-      </p:ext>
-    </p:extLst>
-  </p:cSld>
-  <p:clrMapOvr>
-    <a:masterClrMapping/>
-  </p:clrMapOvr>
-</p:sld>
-</file>
-
-<file path=ppt/slides/slide25.xml><?xml version="1.0" encoding="utf-8"?>
+<file path=ppt/slides/slide20.xml><?xml version="1.0" encoding="utf-8"?>
 <p:sld xmlns:a="http://schemas.openxmlformats.org/drawingml/2006/main" xmlns:r="http://schemas.openxmlformats.org/officeDocument/2006/relationships" xmlns:p="http://schemas.openxmlformats.org/presentationml/2006/main">
   <p:cSld>
     <p:spTree>
